--- a/teaching/2022_spring_Math_II_ppt_ex1.pptx
+++ b/teaching/2022_spring_Math_II_ppt_ex1.pptx
@@ -15541,59 +15541,6 @@
                       <a:rPr lang="en-US" altLang="zh-CN" b="0" i="1" smtClean="0">
                         <a:latin typeface="Cambria Math" panose="02040503050406030204" pitchFamily="18" charset="0"/>
                       </a:rPr>
-                      <m:t>=1</m:t>
-                    </m:r>
-                  </m:oMath>
-                </a14:m>
-                <a:r>
-                  <a:rPr lang="zh-CN" altLang="en-US" dirty="0" smtClean="0"/>
-                  <a:t> 时</a:t>
-                </a:r>
-                <a:r>
-                  <a:rPr lang="en-US" altLang="zh-CN" dirty="0" smtClean="0"/>
-                  <a:t>, </a:t>
-                </a:r>
-                <a14:m>
-                  <m:oMath xmlns:m="http://schemas.openxmlformats.org/officeDocument/2006/math">
-                    <m:r>
-                      <a:rPr lang="en-US" altLang="zh-CN" b="0" i="1" smtClean="0">
-                        <a:latin typeface="Cambria Math" panose="02040503050406030204" pitchFamily="18" charset="0"/>
-                      </a:rPr>
-                      <m:t>𝑠</m:t>
-                    </m:r>
-                    <m:r>
-                      <a:rPr lang="en-US" altLang="zh-CN" b="0" i="1" smtClean="0">
-                        <a:latin typeface="Cambria Math" panose="02040503050406030204" pitchFamily="18" charset="0"/>
-                      </a:rPr>
-                      <m:t>=1+2+3+⋯+100=5050</m:t>
-                    </m:r>
-                  </m:oMath>
-                </a14:m>
-                <a:r>
-                  <a:rPr lang="en-US" altLang="zh-CN" dirty="0" smtClean="0"/>
-                  <a:t>.</a:t>
-                </a:r>
-              </a:p>
-              <a:p>
-                <a:pPr marL="342900" indent="-342900">
-                  <a:lnSpc>
-                    <a:spcPct val="100000"/>
-                  </a:lnSpc>
-                  <a:buFont typeface="Arial" panose="020B0604020202020204" pitchFamily="34" charset="0"/>
-                  <a:buChar char="•"/>
-                </a:pPr>
-                <a14:m>
-                  <m:oMath xmlns:m="http://schemas.openxmlformats.org/officeDocument/2006/math">
-                    <m:r>
-                      <a:rPr lang="en-US" altLang="zh-CN" b="0" i="1" smtClean="0">
-                        <a:latin typeface="Cambria Math" panose="02040503050406030204" pitchFamily="18" charset="0"/>
-                      </a:rPr>
-                      <m:t>𝑥</m:t>
-                    </m:r>
-                    <m:r>
-                      <a:rPr lang="en-US" altLang="zh-CN" b="0" i="1" smtClean="0">
-                        <a:latin typeface="Cambria Math" panose="02040503050406030204" pitchFamily="18" charset="0"/>
-                      </a:rPr>
                       <m:t>≠1</m:t>
                     </m:r>
                   </m:oMath>
@@ -16151,11 +16098,93 @@
                       <a:rPr lang="en-US" altLang="zh-CN" sz="3200" b="0" i="1" smtClean="0">
                         <a:latin typeface="Cambria Math" panose="02040503050406030204" pitchFamily="18" charset="0"/>
                       </a:rPr>
+                      <m:t> </m:t>
+                    </m:r>
+                    <m:d>
+                      <m:dPr>
+                        <m:ctrlPr>
+                          <a:rPr lang="en-US" altLang="zh-CN" sz="3200" b="0" i="1" smtClean="0">
+                            <a:latin typeface="Cambria Math" panose="02040503050406030204" pitchFamily="18" charset="0"/>
+                          </a:rPr>
+                        </m:ctrlPr>
+                      </m:dPr>
+                      <m:e>
+                        <m:r>
+                          <a:rPr lang="en-US" altLang="zh-CN" sz="3200" b="0" i="1" smtClean="0">
+                            <a:latin typeface="Cambria Math" panose="02040503050406030204" pitchFamily="18" charset="0"/>
+                          </a:rPr>
+                          <m:t>𝑥</m:t>
+                        </m:r>
+                        <m:r>
+                          <a:rPr lang="en-US" altLang="zh-CN" sz="3200" b="0" i="1" smtClean="0">
+                            <a:latin typeface="Cambria Math" panose="02040503050406030204" pitchFamily="18" charset="0"/>
+                          </a:rPr>
+                          <m:t>≠1</m:t>
+                        </m:r>
+                      </m:e>
+                    </m:d>
+                    <m:r>
+                      <a:rPr lang="en-US" altLang="zh-CN" sz="3200" b="0" i="1" smtClean="0">
+                        <a:latin typeface="Cambria Math" panose="02040503050406030204" pitchFamily="18" charset="0"/>
+                      </a:rPr>
                       <m:t>.</m:t>
                     </m:r>
                   </m:oMath>
                 </a14:m>
-                <a:endParaRPr lang="en-US" altLang="zh-CN" dirty="0" smtClean="0"/>
+                <a:endParaRPr lang="en-US" altLang="zh-CN" sz="3200" b="0" dirty="0" smtClean="0"/>
+              </a:p>
+              <a:p>
+                <a:pPr marL="342900" indent="-342900">
+                  <a:lnSpc>
+                    <a:spcPct val="100000"/>
+                  </a:lnSpc>
+                  <a:buFont typeface="Arial" panose="020B0604020202020204" pitchFamily="34" charset="0"/>
+                  <a:buChar char="•"/>
+                </a:pPr>
+                <a14:m>
+                  <m:oMath xmlns:m="http://schemas.openxmlformats.org/officeDocument/2006/math">
+                    <m:r>
+                      <a:rPr lang="en-US" altLang="zh-CN" i="1">
+                        <a:latin typeface="Cambria Math" panose="02040503050406030204" pitchFamily="18" charset="0"/>
+                      </a:rPr>
+                      <m:t>𝑥</m:t>
+                    </m:r>
+                    <m:r>
+                      <a:rPr lang="en-US" altLang="zh-CN" i="1">
+                        <a:latin typeface="Cambria Math" panose="02040503050406030204" pitchFamily="18" charset="0"/>
+                      </a:rPr>
+                      <m:t>=1</m:t>
+                    </m:r>
+                  </m:oMath>
+                </a14:m>
+                <a:r>
+                  <a:rPr lang="zh-CN" altLang="en-US" dirty="0"/>
+                  <a:t> 时</a:t>
+                </a:r>
+                <a:r>
+                  <a:rPr lang="en-US" altLang="zh-CN" dirty="0"/>
+                  <a:t>, </a:t>
+                </a:r>
+                <a14:m>
+                  <m:oMath xmlns:m="http://schemas.openxmlformats.org/officeDocument/2006/math">
+                    <m:r>
+                      <a:rPr lang="en-US" altLang="zh-CN" i="1">
+                        <a:latin typeface="Cambria Math" panose="02040503050406030204" pitchFamily="18" charset="0"/>
+                      </a:rPr>
+                      <m:t>𝑠</m:t>
+                    </m:r>
+                    <m:r>
+                      <a:rPr lang="en-US" altLang="zh-CN" i="1">
+                        <a:latin typeface="Cambria Math" panose="02040503050406030204" pitchFamily="18" charset="0"/>
+                      </a:rPr>
+                      <m:t>=1+2+3+⋯+100=5050</m:t>
+                    </m:r>
+                  </m:oMath>
+                </a14:m>
+                <a:r>
+                  <a:rPr lang="en-US" altLang="zh-CN" dirty="0" smtClean="0"/>
+                  <a:t>.</a:t>
+                </a:r>
               </a:p>
               <a:p>
                 <a:pPr marL="342900" indent="-342900">
@@ -23462,8 +23491,8 @@
           <a:chExt cx="0" cy="0"/>
         </a:xfrm>
       </p:grpSpPr>
-      <mc:AlternateContent xmlns:mc="http://schemas.openxmlformats.org/markup-compatibility/2006" xmlns:a14="http://schemas.microsoft.com/office/drawing/2010/main">
-        <mc:Choice Requires="a14">
+      <mc:AlternateContent xmlns:mc="http://schemas.openxmlformats.org/markup-compatibility/2006">
+        <mc:Choice xmlns:a14="http://schemas.microsoft.com/office/drawing/2010/main" Requires="a14">
           <p:sp>
             <p:nvSpPr>
               <p:cNvPr id="4" name="文本占位符 3"/>
@@ -24346,37 +24375,6 @@
                       <m:t>𝜋</m:t>
                     </m:r>
                     <m:r>
-                      <a:rPr lang="en-US" altLang="zh-CN" b="0" i="1" dirty="0" smtClean="0">
-                        <a:latin typeface="Cambria Math" panose="02040503050406030204" pitchFamily="18" charset="0"/>
-                      </a:rPr>
-                      <m:t>+</m:t>
-                    </m:r>
-                    <m:f>
-                      <m:fPr>
-                        <m:ctrlPr>
-                          <a:rPr lang="en-US" altLang="zh-CN" i="1" dirty="0">
-                            <a:latin typeface="Cambria Math" panose="02040503050406030204" pitchFamily="18" charset="0"/>
-                          </a:rPr>
-                        </m:ctrlPr>
-                      </m:fPr>
-                      <m:num>
-                        <m:r>
-                          <a:rPr lang="en-US" altLang="zh-CN" i="1" dirty="0">
-                            <a:latin typeface="Cambria Math" panose="02040503050406030204" pitchFamily="18" charset="0"/>
-                          </a:rPr>
-                          <m:t>𝜋</m:t>
-                        </m:r>
-                      </m:num>
-                      <m:den>
-                        <m:r>
-                          <a:rPr lang="en-US" altLang="zh-CN" i="1" dirty="0">
-                            <a:latin typeface="Cambria Math" panose="02040503050406030204" pitchFamily="18" charset="0"/>
-                          </a:rPr>
-                          <m:t>2</m:t>
-                        </m:r>
-                      </m:den>
-                    </m:f>
-                    <m:r>
                       <a:rPr lang="en-US" altLang="zh-CN" i="1" dirty="0">
                         <a:latin typeface="Cambria Math" panose="02040503050406030204" pitchFamily="18" charset="0"/>
                       </a:rPr>
@@ -24744,7 +24742,7 @@
             </p:txBody>
           </p:sp>
         </mc:Choice>
-        <mc:Fallback xmlns="">
+        <mc:Fallback>
           <p:sp>
             <p:nvSpPr>
               <p:cNvPr id="4" name="文本占位符 3"/>
